--- a/images/Excel.pptx
+++ b/images/Excel.pptx
@@ -6,6 +6,8 @@
   </p:sldMasterIdLst>
   <p:sldIdLst>
     <p:sldId id="256" r:id="rId2"/>
+    <p:sldId id="257" r:id="rId3"/>
+    <p:sldId id="258" r:id="rId4"/>
   </p:sldIdLst>
   <p:sldSz cx="12192000" cy="6858000"/>
   <p:notesSz cx="6858000" cy="9144000"/>
@@ -259,7 +261,7 @@
           <a:p>
             <a:fld id="{B9772DF8-4B5A-4C05-A5C8-2979D92CB161}" type="datetimeFigureOut">
               <a:rPr kumimoji="1" lang="ja-JP" altLang="en-US" smtClean="0"/>
-              <a:t>2019/1/23</a:t>
+              <a:t>2019/5/1</a:t>
             </a:fld>
             <a:endParaRPr kumimoji="1" lang="ja-JP" altLang="en-US"/>
           </a:p>
@@ -489,7 +491,7 @@
           <a:p>
             <a:fld id="{B9772DF8-4B5A-4C05-A5C8-2979D92CB161}" type="datetimeFigureOut">
               <a:rPr kumimoji="1" lang="ja-JP" altLang="en-US" smtClean="0"/>
-              <a:t>2019/1/23</a:t>
+              <a:t>2019/5/1</a:t>
             </a:fld>
             <a:endParaRPr kumimoji="1" lang="ja-JP" altLang="en-US"/>
           </a:p>
@@ -729,7 +731,7 @@
           <a:p>
             <a:fld id="{B9772DF8-4B5A-4C05-A5C8-2979D92CB161}" type="datetimeFigureOut">
               <a:rPr kumimoji="1" lang="ja-JP" altLang="en-US" smtClean="0"/>
-              <a:t>2019/1/23</a:t>
+              <a:t>2019/5/1</a:t>
             </a:fld>
             <a:endParaRPr kumimoji="1" lang="ja-JP" altLang="en-US"/>
           </a:p>
@@ -959,7 +961,7 @@
           <a:p>
             <a:fld id="{B9772DF8-4B5A-4C05-A5C8-2979D92CB161}" type="datetimeFigureOut">
               <a:rPr kumimoji="1" lang="ja-JP" altLang="en-US" smtClean="0"/>
-              <a:t>2019/1/23</a:t>
+              <a:t>2019/5/1</a:t>
             </a:fld>
             <a:endParaRPr kumimoji="1" lang="ja-JP" altLang="en-US"/>
           </a:p>
@@ -1234,7 +1236,7 @@
           <a:p>
             <a:fld id="{B9772DF8-4B5A-4C05-A5C8-2979D92CB161}" type="datetimeFigureOut">
               <a:rPr kumimoji="1" lang="ja-JP" altLang="en-US" smtClean="0"/>
-              <a:t>2019/1/23</a:t>
+              <a:t>2019/5/1</a:t>
             </a:fld>
             <a:endParaRPr kumimoji="1" lang="ja-JP" altLang="en-US"/>
           </a:p>
@@ -1563,7 +1565,7 @@
           <a:p>
             <a:fld id="{B9772DF8-4B5A-4C05-A5C8-2979D92CB161}" type="datetimeFigureOut">
               <a:rPr kumimoji="1" lang="ja-JP" altLang="en-US" smtClean="0"/>
-              <a:t>2019/1/23</a:t>
+              <a:t>2019/5/1</a:t>
             </a:fld>
             <a:endParaRPr kumimoji="1" lang="ja-JP" altLang="en-US"/>
           </a:p>
@@ -2039,7 +2041,7 @@
           <a:p>
             <a:fld id="{B9772DF8-4B5A-4C05-A5C8-2979D92CB161}" type="datetimeFigureOut">
               <a:rPr kumimoji="1" lang="ja-JP" altLang="en-US" smtClean="0"/>
-              <a:t>2019/1/23</a:t>
+              <a:t>2019/5/1</a:t>
             </a:fld>
             <a:endParaRPr kumimoji="1" lang="ja-JP" altLang="en-US"/>
           </a:p>
@@ -2180,7 +2182,7 @@
           <a:p>
             <a:fld id="{B9772DF8-4B5A-4C05-A5C8-2979D92CB161}" type="datetimeFigureOut">
               <a:rPr kumimoji="1" lang="ja-JP" altLang="en-US" smtClean="0"/>
-              <a:t>2019/1/23</a:t>
+              <a:t>2019/5/1</a:t>
             </a:fld>
             <a:endParaRPr kumimoji="1" lang="ja-JP" altLang="en-US"/>
           </a:p>
@@ -2293,7 +2295,7 @@
           <a:p>
             <a:fld id="{B9772DF8-4B5A-4C05-A5C8-2979D92CB161}" type="datetimeFigureOut">
               <a:rPr kumimoji="1" lang="ja-JP" altLang="en-US" smtClean="0"/>
-              <a:t>2019/1/23</a:t>
+              <a:t>2019/5/1</a:t>
             </a:fld>
             <a:endParaRPr kumimoji="1" lang="ja-JP" altLang="en-US"/>
           </a:p>
@@ -2636,7 +2638,7 @@
           <a:p>
             <a:fld id="{B9772DF8-4B5A-4C05-A5C8-2979D92CB161}" type="datetimeFigureOut">
               <a:rPr kumimoji="1" lang="ja-JP" altLang="en-US" smtClean="0"/>
-              <a:t>2019/1/23</a:t>
+              <a:t>2019/5/1</a:t>
             </a:fld>
             <a:endParaRPr kumimoji="1" lang="ja-JP" altLang="en-US"/>
           </a:p>
@@ -2924,7 +2926,7 @@
           <a:p>
             <a:fld id="{B9772DF8-4B5A-4C05-A5C8-2979D92CB161}" type="datetimeFigureOut">
               <a:rPr kumimoji="1" lang="ja-JP" altLang="en-US" smtClean="0"/>
-              <a:t>2019/1/23</a:t>
+              <a:t>2019/5/1</a:t>
             </a:fld>
             <a:endParaRPr kumimoji="1" lang="ja-JP" altLang="en-US"/>
           </a:p>
@@ -3197,7 +3199,7 @@
           <a:p>
             <a:fld id="{B9772DF8-4B5A-4C05-A5C8-2979D92CB161}" type="datetimeFigureOut">
               <a:rPr kumimoji="1" lang="ja-JP" altLang="en-US" smtClean="0"/>
-              <a:t>2019/1/23</a:t>
+              <a:t>2019/5/1</a:t>
             </a:fld>
             <a:endParaRPr kumimoji="1" lang="ja-JP" altLang="en-US"/>
           </a:p>
@@ -4430,6 +4432,493 @@
 </p:sld>
 </file>
 
+<file path=ppt/slides/slide2.xml><?xml version="1.0" encoding="utf-8"?>
+<p:sld xmlns:a="http://schemas.openxmlformats.org/drawingml/2006/main" xmlns:r="http://schemas.openxmlformats.org/officeDocument/2006/relationships" xmlns:p="http://schemas.openxmlformats.org/presentationml/2006/main">
+  <p:cSld>
+    <p:spTree>
+      <p:nvGrpSpPr>
+        <p:cNvPr id="1" name=""/>
+        <p:cNvGrpSpPr/>
+        <p:nvPr/>
+      </p:nvGrpSpPr>
+      <p:grpSpPr>
+        <a:xfrm>
+          <a:off x="0" y="0"/>
+          <a:ext cx="0" cy="0"/>
+          <a:chOff x="0" y="0"/>
+          <a:chExt cx="0" cy="0"/>
+        </a:xfrm>
+      </p:grpSpPr>
+      <p:pic>
+        <p:nvPicPr>
+          <p:cNvPr id="5" name="図 4">
+            <a:extLst>
+              <a:ext uri="{FF2B5EF4-FFF2-40B4-BE49-F238E27FC236}">
+                <a16:creationId xmlns:a16="http://schemas.microsoft.com/office/drawing/2014/main" id="{75106A5F-7B2E-4989-94A5-90ACC6C59B52}"/>
+              </a:ext>
+            </a:extLst>
+          </p:cNvPr>
+          <p:cNvPicPr>
+            <a:picLocks noChangeAspect="1"/>
+          </p:cNvPicPr>
+          <p:nvPr/>
+        </p:nvPicPr>
+        <p:blipFill>
+          <a:blip r:embed="rId2">
+            <a:extLst>
+              <a:ext uri="{28A0092B-C50C-407E-A947-70E740481C1C}">
+                <a14:useLocalDpi xmlns:a14="http://schemas.microsoft.com/office/drawing/2010/main" val="0"/>
+              </a:ext>
+            </a:extLst>
+          </a:blip>
+          <a:stretch>
+            <a:fillRect/>
+          </a:stretch>
+        </p:blipFill>
+        <p:spPr>
+          <a:xfrm flipV="1">
+            <a:off x="1343096" y="462069"/>
+            <a:ext cx="9309399" cy="6078239"/>
+          </a:xfrm>
+          <a:prstGeom prst="rect">
+            <a:avLst/>
+          </a:prstGeom>
+        </p:spPr>
+      </p:pic>
+      <p:sp>
+        <p:nvSpPr>
+          <p:cNvPr id="14" name="正方形/長方形 13">
+            <a:extLst>
+              <a:ext uri="{FF2B5EF4-FFF2-40B4-BE49-F238E27FC236}">
+                <a16:creationId xmlns:a16="http://schemas.microsoft.com/office/drawing/2014/main" id="{9D4C0D07-721C-4A06-91FA-06B303EAC88F}"/>
+              </a:ext>
+            </a:extLst>
+          </p:cNvPr>
+          <p:cNvSpPr/>
+          <p:nvPr/>
+        </p:nvSpPr>
+        <p:spPr>
+          <a:xfrm>
+            <a:off x="2141621" y="462069"/>
+            <a:ext cx="1491916" cy="6078239"/>
+          </a:xfrm>
+          <a:prstGeom prst="rect">
+            <a:avLst/>
+          </a:prstGeom>
+          <a:noFill/>
+          <a:ln w="76200">
+            <a:solidFill>
+              <a:srgbClr val="FF0000"/>
+            </a:solidFill>
+          </a:ln>
+        </p:spPr>
+        <p:style>
+          <a:lnRef idx="2">
+            <a:schemeClr val="accent1">
+              <a:shade val="50000"/>
+            </a:schemeClr>
+          </a:lnRef>
+          <a:fillRef idx="1">
+            <a:schemeClr val="accent1"/>
+          </a:fillRef>
+          <a:effectRef idx="0">
+            <a:schemeClr val="accent1"/>
+          </a:effectRef>
+          <a:fontRef idx="minor">
+            <a:schemeClr val="lt1"/>
+          </a:fontRef>
+        </p:style>
+        <p:txBody>
+          <a:bodyPr rtlCol="0" anchor="ctr"/>
+          <a:lstStyle/>
+          <a:p>
+            <a:pPr algn="ctr"/>
+            <a:endParaRPr kumimoji="1" lang="ja-JP" altLang="en-US"/>
+          </a:p>
+        </p:txBody>
+      </p:sp>
+      <p:sp>
+        <p:nvSpPr>
+          <p:cNvPr id="15" name="テキスト ボックス 14">
+            <a:extLst>
+              <a:ext uri="{FF2B5EF4-FFF2-40B4-BE49-F238E27FC236}">
+                <a16:creationId xmlns:a16="http://schemas.microsoft.com/office/drawing/2014/main" id="{67E58CB9-57F5-4A07-91C5-F064104B78C1}"/>
+              </a:ext>
+            </a:extLst>
+          </p:cNvPr>
+          <p:cNvSpPr txBox="1"/>
+          <p:nvPr/>
+        </p:nvSpPr>
+        <p:spPr>
+          <a:xfrm>
+            <a:off x="3745832" y="1499937"/>
+            <a:ext cx="4185761" cy="830997"/>
+          </a:xfrm>
+          <a:prstGeom prst="rect">
+            <a:avLst/>
+          </a:prstGeom>
+          <a:solidFill>
+            <a:srgbClr val="FFFFFF">
+              <a:alpha val="78039"/>
+            </a:srgbClr>
+          </a:solidFill>
+        </p:spPr>
+        <p:txBody>
+          <a:bodyPr wrap="none" rtlCol="0">
+            <a:spAutoFit/>
+          </a:bodyPr>
+          <a:lstStyle/>
+          <a:p>
+            <a:r>
+              <a:rPr kumimoji="1" lang="ja-JP" altLang="en-US" sz="2400" b="1" dirty="0"/>
+              <a:t>このあたり</a:t>
+            </a:r>
+            <a:endParaRPr kumimoji="1" lang="en-US" altLang="ja-JP" sz="2400" b="1" dirty="0"/>
+          </a:p>
+          <a:p>
+            <a:r>
+              <a:rPr lang="ja-JP" altLang="en-US" sz="2400" b="1" dirty="0"/>
+              <a:t>多分リーダーコードってやつ</a:t>
+            </a:r>
+            <a:endParaRPr kumimoji="1" lang="ja-JP" altLang="en-US" sz="2400" b="1" dirty="0"/>
+          </a:p>
+        </p:txBody>
+      </p:sp>
+    </p:spTree>
+    <p:extLst>
+      <p:ext uri="{BB962C8B-B14F-4D97-AF65-F5344CB8AC3E}">
+        <p14:creationId xmlns:p14="http://schemas.microsoft.com/office/powerpoint/2010/main" val="4133027595"/>
+      </p:ext>
+    </p:extLst>
+  </p:cSld>
+  <p:clrMapOvr>
+    <a:masterClrMapping/>
+  </p:clrMapOvr>
+</p:sld>
+</file>
+
+<file path=ppt/slides/slide3.xml><?xml version="1.0" encoding="utf-8"?>
+<p:sld xmlns:a="http://schemas.openxmlformats.org/drawingml/2006/main" xmlns:r="http://schemas.openxmlformats.org/officeDocument/2006/relationships" xmlns:p="http://schemas.openxmlformats.org/presentationml/2006/main">
+  <p:cSld>
+    <p:spTree>
+      <p:nvGrpSpPr>
+        <p:cNvPr id="1" name=""/>
+        <p:cNvGrpSpPr/>
+        <p:nvPr/>
+      </p:nvGrpSpPr>
+      <p:grpSpPr>
+        <a:xfrm>
+          <a:off x="0" y="0"/>
+          <a:ext cx="0" cy="0"/>
+          <a:chOff x="0" y="0"/>
+          <a:chExt cx="0" cy="0"/>
+        </a:xfrm>
+      </p:grpSpPr>
+      <p:cxnSp>
+        <p:nvCxnSpPr>
+          <p:cNvPr id="6" name="直線矢印コネクタ 5">
+            <a:extLst>
+              <a:ext uri="{FF2B5EF4-FFF2-40B4-BE49-F238E27FC236}">
+                <a16:creationId xmlns:a16="http://schemas.microsoft.com/office/drawing/2014/main" id="{36EE7BFB-B9E2-49A8-AE0D-656C7D8243B2}"/>
+              </a:ext>
+            </a:extLst>
+          </p:cNvPr>
+          <p:cNvCxnSpPr>
+            <a:cxnSpLocks/>
+          </p:cNvCxnSpPr>
+          <p:nvPr/>
+        </p:nvCxnSpPr>
+        <p:spPr>
+          <a:xfrm>
+            <a:off x="5109410" y="2077444"/>
+            <a:ext cx="1187116" cy="0"/>
+          </a:xfrm>
+          <a:prstGeom prst="straightConnector1">
+            <a:avLst/>
+          </a:prstGeom>
+          <a:ln w="57150">
+            <a:solidFill>
+              <a:srgbClr val="FF0000"/>
+            </a:solidFill>
+            <a:headEnd type="triangle"/>
+            <a:tailEnd type="triangle"/>
+          </a:ln>
+        </p:spPr>
+        <p:style>
+          <a:lnRef idx="1">
+            <a:schemeClr val="accent1"/>
+          </a:lnRef>
+          <a:fillRef idx="0">
+            <a:schemeClr val="accent1"/>
+          </a:fillRef>
+          <a:effectRef idx="0">
+            <a:schemeClr val="accent1"/>
+          </a:effectRef>
+          <a:fontRef idx="minor">
+            <a:schemeClr val="tx1"/>
+          </a:fontRef>
+        </p:style>
+      </p:cxnSp>
+      <p:cxnSp>
+        <p:nvCxnSpPr>
+          <p:cNvPr id="15" name="直線矢印コネクタ 14">
+            <a:extLst>
+              <a:ext uri="{FF2B5EF4-FFF2-40B4-BE49-F238E27FC236}">
+                <a16:creationId xmlns:a16="http://schemas.microsoft.com/office/drawing/2014/main" id="{4A8C13B8-7E65-42E7-894D-22784C1ED590}"/>
+              </a:ext>
+            </a:extLst>
+          </p:cNvPr>
+          <p:cNvCxnSpPr>
+            <a:cxnSpLocks/>
+          </p:cNvCxnSpPr>
+          <p:nvPr/>
+        </p:nvCxnSpPr>
+        <p:spPr>
+          <a:xfrm>
+            <a:off x="7852611" y="541073"/>
+            <a:ext cx="1187116" cy="0"/>
+          </a:xfrm>
+          <a:prstGeom prst="straightConnector1">
+            <a:avLst/>
+          </a:prstGeom>
+          <a:ln w="57150">
+            <a:solidFill>
+              <a:srgbClr val="FF0000"/>
+            </a:solidFill>
+            <a:headEnd type="triangle"/>
+            <a:tailEnd type="triangle"/>
+          </a:ln>
+        </p:spPr>
+        <p:style>
+          <a:lnRef idx="1">
+            <a:schemeClr val="accent1"/>
+          </a:lnRef>
+          <a:fillRef idx="0">
+            <a:schemeClr val="accent1"/>
+          </a:fillRef>
+          <a:effectRef idx="0">
+            <a:schemeClr val="accent1"/>
+          </a:effectRef>
+          <a:fontRef idx="minor">
+            <a:schemeClr val="tx1"/>
+          </a:fontRef>
+        </p:style>
+      </p:cxnSp>
+      <p:cxnSp>
+        <p:nvCxnSpPr>
+          <p:cNvPr id="16" name="直線矢印コネクタ 15">
+            <a:extLst>
+              <a:ext uri="{FF2B5EF4-FFF2-40B4-BE49-F238E27FC236}">
+                <a16:creationId xmlns:a16="http://schemas.microsoft.com/office/drawing/2014/main" id="{40DE9A51-6232-47F6-B2D8-231A9562AD39}"/>
+              </a:ext>
+            </a:extLst>
+          </p:cNvPr>
+          <p:cNvCxnSpPr>
+            <a:cxnSpLocks/>
+          </p:cNvCxnSpPr>
+          <p:nvPr/>
+        </p:nvCxnSpPr>
+        <p:spPr>
+          <a:xfrm>
+            <a:off x="9039727" y="541073"/>
+            <a:ext cx="1187116" cy="0"/>
+          </a:xfrm>
+          <a:prstGeom prst="straightConnector1">
+            <a:avLst/>
+          </a:prstGeom>
+          <a:ln w="57150">
+            <a:solidFill>
+              <a:srgbClr val="FF0000"/>
+            </a:solidFill>
+            <a:headEnd type="triangle"/>
+            <a:tailEnd type="triangle"/>
+          </a:ln>
+        </p:spPr>
+        <p:style>
+          <a:lnRef idx="1">
+            <a:schemeClr val="accent1"/>
+          </a:lnRef>
+          <a:fillRef idx="0">
+            <a:schemeClr val="accent1"/>
+          </a:fillRef>
+          <a:effectRef idx="0">
+            <a:schemeClr val="accent1"/>
+          </a:effectRef>
+          <a:fontRef idx="minor">
+            <a:schemeClr val="tx1"/>
+          </a:fontRef>
+        </p:style>
+      </p:cxnSp>
+      <p:cxnSp>
+        <p:nvCxnSpPr>
+          <p:cNvPr id="17" name="直線矢印コネクタ 16">
+            <a:extLst>
+              <a:ext uri="{FF2B5EF4-FFF2-40B4-BE49-F238E27FC236}">
+                <a16:creationId xmlns:a16="http://schemas.microsoft.com/office/drawing/2014/main" id="{B1B2E6D1-5125-4424-A33D-8114B7277972}"/>
+              </a:ext>
+            </a:extLst>
+          </p:cNvPr>
+          <p:cNvCxnSpPr>
+            <a:cxnSpLocks/>
+          </p:cNvCxnSpPr>
+          <p:nvPr/>
+        </p:nvCxnSpPr>
+        <p:spPr>
+          <a:xfrm>
+            <a:off x="10226843" y="541073"/>
+            <a:ext cx="1187116" cy="0"/>
+          </a:xfrm>
+          <a:prstGeom prst="straightConnector1">
+            <a:avLst/>
+          </a:prstGeom>
+          <a:ln w="57150">
+            <a:solidFill>
+              <a:srgbClr val="FF0000"/>
+            </a:solidFill>
+            <a:headEnd type="triangle"/>
+            <a:tailEnd type="triangle"/>
+          </a:ln>
+        </p:spPr>
+        <p:style>
+          <a:lnRef idx="1">
+            <a:schemeClr val="accent1"/>
+          </a:lnRef>
+          <a:fillRef idx="0">
+            <a:schemeClr val="accent1"/>
+          </a:fillRef>
+          <a:effectRef idx="0">
+            <a:schemeClr val="accent1"/>
+          </a:effectRef>
+          <a:fontRef idx="minor">
+            <a:schemeClr val="tx1"/>
+          </a:fontRef>
+        </p:style>
+      </p:cxnSp>
+      <p:sp>
+        <p:nvSpPr>
+          <p:cNvPr id="18" name="テキスト ボックス 17">
+            <a:extLst>
+              <a:ext uri="{FF2B5EF4-FFF2-40B4-BE49-F238E27FC236}">
+                <a16:creationId xmlns:a16="http://schemas.microsoft.com/office/drawing/2014/main" id="{B187347D-68EB-4DC6-A7A0-6231B17A939D}"/>
+              </a:ext>
+            </a:extLst>
+          </p:cNvPr>
+          <p:cNvSpPr txBox="1"/>
+          <p:nvPr/>
+        </p:nvSpPr>
+        <p:spPr>
+          <a:xfrm>
+            <a:off x="5467968" y="1708112"/>
+            <a:ext cx="470000" cy="369332"/>
+          </a:xfrm>
+          <a:prstGeom prst="rect">
+            <a:avLst/>
+          </a:prstGeom>
+          <a:noFill/>
+        </p:spPr>
+        <p:txBody>
+          <a:bodyPr wrap="none" rtlCol="0">
+            <a:spAutoFit/>
+          </a:bodyPr>
+          <a:lstStyle/>
+          <a:p>
+            <a:r>
+              <a:rPr kumimoji="1" lang="en-US" altLang="ja-JP" b="1" dirty="0"/>
+              <a:t>1T</a:t>
+            </a:r>
+            <a:endParaRPr kumimoji="1" lang="ja-JP" altLang="en-US" b="1" dirty="0"/>
+          </a:p>
+        </p:txBody>
+      </p:sp>
+      <p:sp>
+        <p:nvSpPr>
+          <p:cNvPr id="19" name="テキスト ボックス 18">
+            <a:extLst>
+              <a:ext uri="{FF2B5EF4-FFF2-40B4-BE49-F238E27FC236}">
+                <a16:creationId xmlns:a16="http://schemas.microsoft.com/office/drawing/2014/main" id="{893585AB-F9E6-4C67-900A-76EE078C207E}"/>
+              </a:ext>
+            </a:extLst>
+          </p:cNvPr>
+          <p:cNvSpPr txBox="1"/>
+          <p:nvPr/>
+        </p:nvSpPr>
+        <p:spPr>
+          <a:xfrm>
+            <a:off x="9398285" y="171741"/>
+            <a:ext cx="470000" cy="369332"/>
+          </a:xfrm>
+          <a:prstGeom prst="rect">
+            <a:avLst/>
+          </a:prstGeom>
+          <a:noFill/>
+        </p:spPr>
+        <p:txBody>
+          <a:bodyPr wrap="none" rtlCol="0">
+            <a:spAutoFit/>
+          </a:bodyPr>
+          <a:lstStyle/>
+          <a:p>
+            <a:r>
+              <a:rPr lang="en-US" altLang="ja-JP" b="1" dirty="0"/>
+              <a:t>3</a:t>
+            </a:r>
+            <a:r>
+              <a:rPr kumimoji="1" lang="en-US" altLang="ja-JP" b="1" dirty="0"/>
+              <a:t>T</a:t>
+            </a:r>
+            <a:endParaRPr kumimoji="1" lang="ja-JP" altLang="en-US" b="1" dirty="0"/>
+          </a:p>
+        </p:txBody>
+      </p:sp>
+      <p:pic>
+        <p:nvPicPr>
+          <p:cNvPr id="21" name="図 20">
+            <a:extLst>
+              <a:ext uri="{FF2B5EF4-FFF2-40B4-BE49-F238E27FC236}">
+                <a16:creationId xmlns:a16="http://schemas.microsoft.com/office/drawing/2014/main" id="{044D15E1-E426-40D0-A87B-ED210910C99F}"/>
+              </a:ext>
+            </a:extLst>
+          </p:cNvPr>
+          <p:cNvPicPr>
+            <a:picLocks noChangeAspect="1"/>
+          </p:cNvPicPr>
+          <p:nvPr/>
+        </p:nvPicPr>
+        <p:blipFill>
+          <a:blip r:embed="rId2">
+            <a:extLst>
+              <a:ext uri="{28A0092B-C50C-407E-A947-70E740481C1C}">
+                <a14:useLocalDpi xmlns:a14="http://schemas.microsoft.com/office/drawing/2010/main" val="0"/>
+              </a:ext>
+            </a:extLst>
+          </a:blip>
+          <a:stretch>
+            <a:fillRect/>
+          </a:stretch>
+        </p:blipFill>
+        <p:spPr>
+          <a:xfrm flipV="1">
+            <a:off x="1444349" y="2169354"/>
+            <a:ext cx="9303302" cy="4139543"/>
+          </a:xfrm>
+          <a:prstGeom prst="rect">
+            <a:avLst/>
+          </a:prstGeom>
+        </p:spPr>
+      </p:pic>
+    </p:spTree>
+    <p:extLst>
+      <p:ext uri="{BB962C8B-B14F-4D97-AF65-F5344CB8AC3E}">
+        <p14:creationId xmlns:p14="http://schemas.microsoft.com/office/powerpoint/2010/main" val="1706103832"/>
+      </p:ext>
+    </p:extLst>
+  </p:cSld>
+  <p:clrMapOvr>
+    <a:masterClrMapping/>
+  </p:clrMapOvr>
+</p:sld>
+</file>
+
 <file path=ppt/theme/theme1.xml><?xml version="1.0" encoding="utf-8"?>
 <a:theme xmlns:a="http://schemas.openxmlformats.org/drawingml/2006/main" name="Office テーマ">
   <a:themeElements>
